--- a/11회차(191125).pptx
+++ b/11회차(191125).pptx
@@ -5,7 +5,7 @@
     <p:sldMasterId id="2147483648" r:id="rId1"/>
   </p:sldMasterIdLst>
   <p:notesMasterIdLst>
-    <p:notesMasterId r:id="rId31"/>
+    <p:notesMasterId r:id="rId32"/>
   </p:notesMasterIdLst>
   <p:sldIdLst>
     <p:sldId id="256" r:id="rId2"/>
@@ -36,7 +36,8 @@
     <p:sldId id="305" r:id="rId27"/>
     <p:sldId id="303" r:id="rId28"/>
     <p:sldId id="306" r:id="rId29"/>
-    <p:sldId id="281" r:id="rId30"/>
+    <p:sldId id="308" r:id="rId30"/>
+    <p:sldId id="281" r:id="rId31"/>
   </p:sldIdLst>
   <p:sldSz cx="12192000" cy="6858000"/>
   <p:notesSz cx="6858000" cy="9144000"/>
@@ -168,6 +169,7 @@
             <p14:sldId id="305"/>
             <p14:sldId id="303"/>
             <p14:sldId id="306"/>
+            <p14:sldId id="308"/>
             <p14:sldId id="281"/>
           </p14:sldIdLst>
         </p14:section>
@@ -265,7 +267,7 @@
           <a:p>
             <a:fld id="{333F263A-1897-4832-85CD-20D04247F771}" type="datetimeFigureOut">
               <a:rPr lang="ko-KR" altLang="en-US" smtClean="0"/>
-              <a:t>2019-11-24</a:t>
+              <a:t>2019-11-25</a:t>
             </a:fld>
             <a:endParaRPr lang="ko-KR" altLang="en-US"/>
           </a:p>
@@ -931,7 +933,7 @@
           <a:p>
             <a:fld id="{3CBD2B93-56AC-48FD-B8A5-9A5E55FF369B}" type="datetime1">
               <a:rPr lang="ko-KR" altLang="en-US" smtClean="0"/>
-              <a:t>2019-11-24</a:t>
+              <a:t>2019-11-25</a:t>
             </a:fld>
             <a:endParaRPr lang="ko-KR" altLang="en-US" dirty="0"/>
           </a:p>
@@ -1155,7 +1157,7 @@
           <a:p>
             <a:fld id="{AF49D3D3-355D-4813-9772-DDF9ADCC60B8}" type="datetime1">
               <a:rPr lang="ko-KR" altLang="en-US" smtClean="0"/>
-              <a:t>2019-11-24</a:t>
+              <a:t>2019-11-25</a:t>
             </a:fld>
             <a:endParaRPr lang="ko-KR" altLang="en-US"/>
           </a:p>
@@ -1367,7 +1369,7 @@
           <a:p>
             <a:fld id="{6D51C347-6ED1-459A-82A8-BB8F2BAE52C9}" type="datetime1">
               <a:rPr lang="ko-KR" altLang="en-US" smtClean="0"/>
-              <a:t>2019-11-24</a:t>
+              <a:t>2019-11-25</a:t>
             </a:fld>
             <a:endParaRPr lang="ko-KR" altLang="en-US"/>
           </a:p>
@@ -1569,7 +1571,7 @@
           <a:p>
             <a:fld id="{F430AC7E-B92F-48CF-99B0-C8865831A033}" type="datetime1">
               <a:rPr lang="ko-KR" altLang="en-US" smtClean="0"/>
-              <a:t>2019-11-24</a:t>
+              <a:t>2019-11-25</a:t>
             </a:fld>
             <a:endParaRPr lang="ko-KR" altLang="en-US"/>
           </a:p>
@@ -1848,7 +1850,7 @@
           <a:p>
             <a:fld id="{100262EB-2742-4591-BFF7-AD4E7441E7E2}" type="datetime1">
               <a:rPr lang="ko-KR" altLang="en-US" smtClean="0"/>
-              <a:t>2019-11-24</a:t>
+              <a:t>2019-11-25</a:t>
             </a:fld>
             <a:endParaRPr lang="ko-KR" altLang="en-US"/>
           </a:p>
@@ -2117,7 +2119,7 @@
           <a:p>
             <a:fld id="{465FE43D-141C-4DB3-A683-1E11D6CDEB8C}" type="datetime1">
               <a:rPr lang="ko-KR" altLang="en-US" smtClean="0"/>
-              <a:t>2019-11-24</a:t>
+              <a:t>2019-11-25</a:t>
             </a:fld>
             <a:endParaRPr lang="ko-KR" altLang="en-US"/>
           </a:p>
@@ -2533,7 +2535,7 @@
           <a:p>
             <a:fld id="{9ABDC111-88B8-4592-BD40-064B52BA38D4}" type="datetime1">
               <a:rPr lang="ko-KR" altLang="en-US" smtClean="0"/>
-              <a:t>2019-11-24</a:t>
+              <a:t>2019-11-25</a:t>
             </a:fld>
             <a:endParaRPr lang="ko-KR" altLang="en-US"/>
           </a:p>
@@ -2678,7 +2680,7 @@
           <a:p>
             <a:fld id="{63C7A1B3-1195-4A99-90B0-E22D2875B7EF}" type="datetime1">
               <a:rPr lang="ko-KR" altLang="en-US" smtClean="0"/>
-              <a:t>2019-11-24</a:t>
+              <a:t>2019-11-25</a:t>
             </a:fld>
             <a:endParaRPr lang="ko-KR" altLang="en-US"/>
           </a:p>
@@ -2795,7 +2797,7 @@
           <a:p>
             <a:fld id="{50894F94-BCD4-47A3-AAB6-8820B57BF1CC}" type="datetime1">
               <a:rPr lang="ko-KR" altLang="en-US" smtClean="0"/>
-              <a:t>2019-11-24</a:t>
+              <a:t>2019-11-25</a:t>
             </a:fld>
             <a:endParaRPr lang="ko-KR" altLang="en-US"/>
           </a:p>
@@ -3110,7 +3112,7 @@
           <a:p>
             <a:fld id="{4FB34A5E-3131-45B1-8E42-6DD205687873}" type="datetime1">
               <a:rPr lang="ko-KR" altLang="en-US" smtClean="0"/>
-              <a:t>2019-11-24</a:t>
+              <a:t>2019-11-25</a:t>
             </a:fld>
             <a:endParaRPr lang="ko-KR" altLang="en-US"/>
           </a:p>
@@ -3402,7 +3404,7 @@
           <a:p>
             <a:fld id="{1FF24D10-C65B-4A55-A1E3-4559AC5C4802}" type="datetime1">
               <a:rPr lang="ko-KR" altLang="en-US" smtClean="0"/>
-              <a:t>2019-11-24</a:t>
+              <a:t>2019-11-25</a:t>
             </a:fld>
             <a:endParaRPr lang="ko-KR" altLang="en-US"/>
           </a:p>
@@ -3656,7 +3658,7 @@
           <a:p>
             <a:fld id="{FF0DBF22-41BE-46BC-993D-B091D63BDC93}" type="datetime1">
               <a:rPr lang="ko-KR" altLang="en-US" smtClean="0"/>
-              <a:t>2019-11-24</a:t>
+              <a:t>2019-11-25</a:t>
             </a:fld>
             <a:endParaRPr lang="ko-KR" altLang="en-US"/>
           </a:p>
@@ -8654,7 +8656,7 @@
       </p:grpSpPr>
       <p:sp>
         <p:nvSpPr>
-          <p:cNvPr id="12" name="Rectangle 11">
+          <p:cNvPr id="17" name="Rectangle 16">
             <a:extLst>
               <a:ext uri="{FF2B5EF4-FFF2-40B4-BE49-F238E27FC236}">
                 <a16:creationId xmlns:a16="http://schemas.microsoft.com/office/drawing/2014/main" id="{867D4867-5BA7-4462-B2F6-A23F4A622AA7}"/>
@@ -8836,10 +8838,10 @@
       </p:sp>
       <p:pic>
         <p:nvPicPr>
-          <p:cNvPr id="7" name="그림 6" descr="스크린샷이(가) 표시된 사진&#10;&#10;자동 생성된 설명">
-            <a:extLst>
-              <a:ext uri="{FF2B5EF4-FFF2-40B4-BE49-F238E27FC236}">
-                <a16:creationId xmlns:a16="http://schemas.microsoft.com/office/drawing/2014/main" id="{73C71800-22DB-4398-A4B9-D5CCB55D0510}"/>
+          <p:cNvPr id="8" name="그림 7" descr="스크린샷이(가) 표시된 사진&#10;&#10;자동 생성된 설명">
+            <a:extLst>
+              <a:ext uri="{FF2B5EF4-FFF2-40B4-BE49-F238E27FC236}">
+                <a16:creationId xmlns:a16="http://schemas.microsoft.com/office/drawing/2014/main" id="{AAC94A07-834A-4F5B-B49B-5F5B1F4AC9CD}"/>
               </a:ext>
             </a:extLst>
           </p:cNvPr>
@@ -8862,8 +8864,8 @@
         </p:blipFill>
         <p:spPr>
           <a:xfrm>
-            <a:off x="4805265" y="623392"/>
-            <a:ext cx="7203233" cy="5596433"/>
+            <a:off x="4815191" y="408562"/>
+            <a:ext cx="7376809" cy="5947788"/>
           </a:xfrm>
           <a:prstGeom prst="rect">
             <a:avLst/>
@@ -9119,7 +9121,7 @@
           <a:p>
             <a:pPr algn="ctr" latinLnBrk="0"/>
             <a:r>
-              <a:rPr lang="ko-KR" altLang="en-US" sz="5400" kern="1200">
+              <a:rPr lang="ko-KR" altLang="en-US" sz="5400" kern="1200" dirty="0">
                 <a:solidFill>
                   <a:srgbClr val="FFFFFF"/>
                 </a:solidFill>
@@ -9127,8 +9129,27 @@
                 <a:ea typeface="+mj-ea"/>
                 <a:cs typeface="+mj-cs"/>
               </a:rPr>
-              <a:t>결과</a:t>
-            </a:r>
+              <a:t>결과 </a:t>
+            </a:r>
+            <a:r>
+              <a:rPr lang="en-US" altLang="ko-KR" sz="5400" kern="1200" dirty="0">
+                <a:solidFill>
+                  <a:srgbClr val="FFFFFF"/>
+                </a:solidFill>
+                <a:latin typeface="+mj-lt"/>
+                <a:ea typeface="+mj-ea"/>
+                <a:cs typeface="+mj-cs"/>
+              </a:rPr>
+              <a:t>1</a:t>
+            </a:r>
+            <a:endParaRPr lang="ko-KR" altLang="en-US" sz="5400" kern="1200" dirty="0">
+              <a:solidFill>
+                <a:srgbClr val="FFFFFF"/>
+              </a:solidFill>
+              <a:latin typeface="+mj-lt"/>
+              <a:ea typeface="+mj-ea"/>
+              <a:cs typeface="+mj-cs"/>
+            </a:endParaRPr>
           </a:p>
         </p:txBody>
       </p:sp>
@@ -9339,6 +9360,14 @@
 <file path=ppt/slides/slide29.xml><?xml version="1.0" encoding="utf-8"?>
 <p:sld xmlns:a="http://schemas.openxmlformats.org/drawingml/2006/main" xmlns:r="http://schemas.openxmlformats.org/officeDocument/2006/relationships" xmlns:p="http://schemas.openxmlformats.org/presentationml/2006/main">
   <p:cSld>
+    <p:bg>
+      <p:bgPr>
+        <a:solidFill>
+          <a:schemeClr val="tx1"/>
+        </a:solidFill>
+        <a:effectLst/>
+      </p:bgPr>
+    </p:bg>
     <p:spTree>
       <p:nvGrpSpPr>
         <p:cNvPr id="1" name=""/>
@@ -9355,10 +9384,71 @@
       </p:grpSpPr>
       <p:sp>
         <p:nvSpPr>
+          <p:cNvPr id="23" name="Rectangle 22">
+            <a:extLst>
+              <a:ext uri="{FF2B5EF4-FFF2-40B4-BE49-F238E27FC236}">
+                <a16:creationId xmlns:a16="http://schemas.microsoft.com/office/drawing/2014/main" id="{867D4867-5BA7-4462-B2F6-A23F4A622AA7}"/>
+              </a:ext>
+              <a:ext uri="{C183D7F6-B498-43B3-948B-1728B52AA6E4}">
+                <adec:decorative xmlns:adec="http://schemas.microsoft.com/office/drawing/2017/decorative" val="1"/>
+              </a:ext>
+            </a:extLst>
+          </p:cNvPr>
+          <p:cNvSpPr>
+            <a:spLocks noGrp="1" noRot="1" noChangeAspect="1" noMove="1" noResize="1" noEditPoints="1" noAdjustHandles="1" noChangeArrowheads="1" noChangeShapeType="1" noTextEdit="1"/>
+          </p:cNvSpPr>
+          <p:nvPr>
+            <p:extLst>
+              <p:ext uri="{386F3935-93C4-4BCD-93E2-E3B085C9AB24}">
+                <p16:designElem xmlns:p16="http://schemas.microsoft.com/office/powerpoint/2015/main" val="1"/>
+              </p:ext>
+            </p:extLst>
+          </p:nvPr>
+        </p:nvSpPr>
+        <p:spPr>
+          <a:xfrm>
+            <a:off x="0" y="0"/>
+            <a:ext cx="4654296" cy="6858000"/>
+          </a:xfrm>
+          <a:prstGeom prst="rect">
+            <a:avLst/>
+          </a:prstGeom>
+          <a:solidFill>
+            <a:srgbClr val="3F3F3F"/>
+          </a:solidFill>
+          <a:ln>
+            <a:noFill/>
+          </a:ln>
+        </p:spPr>
+        <p:style>
+          <a:lnRef idx="0">
+            <a:scrgbClr r="0" g="0" b="0"/>
+          </a:lnRef>
+          <a:fillRef idx="0">
+            <a:scrgbClr r="0" g="0" b="0"/>
+          </a:fillRef>
+          <a:effectRef idx="0">
+            <a:scrgbClr r="0" g="0" b="0"/>
+          </a:effectRef>
+          <a:fontRef idx="minor">
+            <a:schemeClr val="lt1"/>
+          </a:fontRef>
+        </p:style>
+        <p:txBody>
+          <a:bodyPr rtlCol="0" anchor="ctr"/>
+          <a:lstStyle/>
+          <a:p>
+            <a:pPr algn="ctr"/>
+            <a:endParaRPr lang="en-US" dirty="0"/>
+          </a:p>
+        </p:txBody>
+      </p:sp>
+      <p:sp>
+        <p:nvSpPr>
           <p:cNvPr id="2" name="제목 1">
             <a:extLst>
               <a:ext uri="{FF2B5EF4-FFF2-40B4-BE49-F238E27FC236}">
-                <a16:creationId xmlns:a16="http://schemas.microsoft.com/office/drawing/2014/main" id="{22E61AFC-721D-46EE-8ADE-DC8D1887DE21}"/>
+                <a16:creationId xmlns:a16="http://schemas.microsoft.com/office/drawing/2014/main" id="{A744BEB7-3059-4413-8AE0-3E09AD1ED9BD}"/>
               </a:ext>
             </a:extLst>
           </p:cNvPr>
@@ -9369,21 +9459,55 @@
             <p:ph type="title"/>
           </p:nvPr>
         </p:nvSpPr>
-        <p:spPr/>
-        <p:txBody>
-          <a:bodyPr/>
-          <a:lstStyle/>
-          <a:p>
-            <a:endParaRPr lang="ko-KR" altLang="en-US" dirty="0"/>
-          </a:p>
-        </p:txBody>
-      </p:sp>
-      <p:sp>
-        <p:nvSpPr>
-          <p:cNvPr id="3" name="내용 개체 틀 2">
-            <a:extLst>
-              <a:ext uri="{FF2B5EF4-FFF2-40B4-BE49-F238E27FC236}">
-                <a16:creationId xmlns:a16="http://schemas.microsoft.com/office/drawing/2014/main" id="{4CE32329-EE37-4581-93C0-A5D64B0B13BD}"/>
+        <p:spPr>
+          <a:xfrm>
+            <a:off x="643468" y="623392"/>
+            <a:ext cx="3363974" cy="1607060"/>
+          </a:xfrm>
+          <a:noFill/>
+          <a:ln w="19050">
+            <a:solidFill>
+              <a:schemeClr val="tx1"/>
+            </a:solidFill>
+          </a:ln>
+        </p:spPr>
+        <p:txBody>
+          <a:bodyPr vert="horz" wrap="square" lIns="91440" tIns="45720" rIns="91440" bIns="45720" rtlCol="0" anchor="ctr">
+            <a:normAutofit/>
+          </a:bodyPr>
+          <a:lstStyle/>
+          <a:p>
+            <a:pPr algn="ctr" latinLnBrk="0"/>
+            <a:r>
+              <a:rPr lang="ko-KR" altLang="en-US" sz="2800" kern="1200">
+                <a:latin typeface="+mj-lt"/>
+                <a:ea typeface="+mj-ea"/>
+                <a:cs typeface="+mj-cs"/>
+              </a:rPr>
+              <a:t>결과 </a:t>
+            </a:r>
+            <a:r>
+              <a:rPr lang="en-US" altLang="ko-KR" sz="2800" kern="1200">
+                <a:latin typeface="+mj-lt"/>
+                <a:ea typeface="+mj-ea"/>
+                <a:cs typeface="+mj-cs"/>
+              </a:rPr>
+              <a:t>2</a:t>
+            </a:r>
+            <a:endParaRPr lang="ko-KR" altLang="en-US" sz="2800" kern="1200">
+              <a:latin typeface="+mj-lt"/>
+              <a:ea typeface="+mj-ea"/>
+              <a:cs typeface="+mj-cs"/>
+            </a:endParaRPr>
+          </a:p>
+        </p:txBody>
+      </p:sp>
+      <p:sp>
+        <p:nvSpPr>
+          <p:cNvPr id="20" name="Content Placeholder 19">
+            <a:extLst>
+              <a:ext uri="{FF2B5EF4-FFF2-40B4-BE49-F238E27FC236}">
+                <a16:creationId xmlns:a16="http://schemas.microsoft.com/office/drawing/2014/main" id="{AEE9CE0F-C7B1-424C-B7FC-B4EAA5AF7528}"/>
               </a:ext>
             </a:extLst>
           </p:cNvPr>
@@ -9394,97 +9518,157 @@
             <p:ph idx="1"/>
           </p:nvPr>
         </p:nvSpPr>
-        <p:spPr/>
+        <p:spPr>
+          <a:xfrm>
+            <a:off x="643468" y="2638043"/>
+            <a:ext cx="3363974" cy="3415623"/>
+          </a:xfrm>
+        </p:spPr>
         <p:txBody>
           <a:bodyPr>
             <a:normAutofit/>
           </a:bodyPr>
           <a:lstStyle/>
           <a:p>
-            <a:pPr marL="0" indent="0">
-              <a:buNone/>
+            <a:endParaRPr lang="en-US" sz="2000"/>
+          </a:p>
+        </p:txBody>
+      </p:sp>
+      <p:pic>
+        <p:nvPicPr>
+          <p:cNvPr id="8" name="내용 개체 틀 7" descr="스크린샷이(가) 표시된 사진&#10;&#10;자동 생성된 설명">
+            <a:extLst>
+              <a:ext uri="{FF2B5EF4-FFF2-40B4-BE49-F238E27FC236}">
+                <a16:creationId xmlns:a16="http://schemas.microsoft.com/office/drawing/2014/main" id="{A20F8667-2704-41B3-A408-541A90265427}"/>
+              </a:ext>
+            </a:extLst>
+          </p:cNvPr>
+          <p:cNvPicPr>
+            <a:picLocks noChangeAspect="1"/>
+          </p:cNvPicPr>
+          <p:nvPr/>
+        </p:nvPicPr>
+        <p:blipFill>
+          <a:blip r:embed="rId2">
+            <a:extLst>
+              <a:ext uri="{28A0092B-C50C-407E-A947-70E740481C1C}">
+                <a14:useLocalDpi xmlns:a14="http://schemas.microsoft.com/office/drawing/2010/main" val="0"/>
+              </a:ext>
+            </a:extLst>
+          </a:blip>
+          <a:stretch>
+            <a:fillRect/>
+          </a:stretch>
+        </p:blipFill>
+        <p:spPr>
+          <a:xfrm>
+            <a:off x="5297763" y="1079338"/>
+            <a:ext cx="6250769" cy="4538457"/>
+          </a:xfrm>
+          <a:prstGeom prst="rect">
+            <a:avLst/>
+          </a:prstGeom>
+        </p:spPr>
+      </p:pic>
+      <p:sp>
+        <p:nvSpPr>
+          <p:cNvPr id="4" name="바닥글 개체 틀 3">
+            <a:extLst>
+              <a:ext uri="{FF2B5EF4-FFF2-40B4-BE49-F238E27FC236}">
+                <a16:creationId xmlns:a16="http://schemas.microsoft.com/office/drawing/2014/main" id="{37AF9E78-4E9F-4E1D-984F-022FFA27B491}"/>
+              </a:ext>
+            </a:extLst>
+          </p:cNvPr>
+          <p:cNvSpPr>
+            <a:spLocks noGrp="1"/>
+          </p:cNvSpPr>
+          <p:nvPr>
+            <p:ph type="ftr" sz="quarter" idx="11"/>
+          </p:nvPr>
+        </p:nvSpPr>
+        <p:spPr>
+          <a:xfrm>
+            <a:off x="4038600" y="6356350"/>
+            <a:ext cx="4114800" cy="365125"/>
+          </a:xfrm>
+        </p:spPr>
+        <p:txBody>
+          <a:bodyPr vert="horz" lIns="91440" tIns="45720" rIns="91440" bIns="45720" rtlCol="0">
+            <a:normAutofit/>
+          </a:bodyPr>
+          <a:lstStyle/>
+          <a:p>
+            <a:pPr latinLnBrk="0">
+              <a:spcAft>
+                <a:spcPts val="600"/>
+              </a:spcAft>
             </a:pPr>
-            <a:endParaRPr lang="en-US" altLang="ko-KR" sz="9600" dirty="0"/>
-          </a:p>
-          <a:p>
-            <a:pPr marL="0" indent="0">
-              <a:buNone/>
+            <a:r>
+              <a:rPr lang="en-US" altLang="ko-KR" kern="1200">
+                <a:latin typeface="+mn-lt"/>
+                <a:ea typeface="+mn-ea"/>
+                <a:cs typeface="+mn-cs"/>
+              </a:rPr>
+              <a:t>ExP Make Programming Team</a:t>
+            </a:r>
+          </a:p>
+        </p:txBody>
+      </p:sp>
+      <p:sp>
+        <p:nvSpPr>
+          <p:cNvPr id="5" name="슬라이드 번호 개체 틀 4">
+            <a:extLst>
+              <a:ext uri="{FF2B5EF4-FFF2-40B4-BE49-F238E27FC236}">
+                <a16:creationId xmlns:a16="http://schemas.microsoft.com/office/drawing/2014/main" id="{ACACA286-F3DB-4A41-AAAE-9C309F361ABD}"/>
+              </a:ext>
+            </a:extLst>
+          </p:cNvPr>
+          <p:cNvSpPr>
+            <a:spLocks noGrp="1"/>
+          </p:cNvSpPr>
+          <p:nvPr>
+            <p:ph type="sldNum" sz="quarter" idx="12"/>
+          </p:nvPr>
+        </p:nvSpPr>
+        <p:spPr>
+          <a:xfrm>
+            <a:off x="8610600" y="6356350"/>
+            <a:ext cx="2743200" cy="365125"/>
+          </a:xfrm>
+        </p:spPr>
+        <p:txBody>
+          <a:bodyPr vert="horz" lIns="91440" tIns="45720" rIns="91440" bIns="45720" rtlCol="0">
+            <a:normAutofit/>
+          </a:bodyPr>
+          <a:lstStyle/>
+          <a:p>
+            <a:pPr latinLnBrk="0">
+              <a:spcAft>
+                <a:spcPts val="600"/>
+              </a:spcAft>
             </a:pPr>
-            <a:r>
-              <a:rPr lang="en-US" altLang="ko-KR" sz="9600" dirty="0" err="1"/>
-              <a:t>QnA</a:t>
-            </a:r>
-            <a:endParaRPr lang="ko-KR" altLang="en-US" sz="9600" dirty="0"/>
-          </a:p>
-        </p:txBody>
-      </p:sp>
-      <p:sp>
-        <p:nvSpPr>
-          <p:cNvPr id="4" name="바닥글 개체 틀 3">
-            <a:extLst>
-              <a:ext uri="{FF2B5EF4-FFF2-40B4-BE49-F238E27FC236}">
-                <a16:creationId xmlns:a16="http://schemas.microsoft.com/office/drawing/2014/main" id="{5F0422B2-D991-43BB-BF59-65B4DFB4758B}"/>
-              </a:ext>
-            </a:extLst>
-          </p:cNvPr>
-          <p:cNvSpPr>
-            <a:spLocks noGrp="1"/>
-          </p:cNvSpPr>
-          <p:nvPr>
-            <p:ph type="ftr" sz="quarter" idx="11"/>
-          </p:nvPr>
-        </p:nvSpPr>
-        <p:spPr/>
-        <p:txBody>
-          <a:bodyPr/>
-          <a:lstStyle/>
-          <a:p>
-            <a:r>
+            <a:fld id="{FF0FD81D-3A37-4637-9842-66B26730370D}" type="slidenum">
               <a:rPr lang="en-US" altLang="ko-KR"/>
-              <a:t>ExP Make Programming Team</a:t>
-            </a:r>
-            <a:endParaRPr lang="ko-KR" altLang="en-US"/>
-          </a:p>
-        </p:txBody>
-      </p:sp>
-      <p:sp>
-        <p:nvSpPr>
-          <p:cNvPr id="5" name="슬라이드 번호 개체 틀 4">
-            <a:extLst>
-              <a:ext uri="{FF2B5EF4-FFF2-40B4-BE49-F238E27FC236}">
-                <a16:creationId xmlns:a16="http://schemas.microsoft.com/office/drawing/2014/main" id="{6203B402-6112-40D4-BAB2-37E05E4AC7FF}"/>
-              </a:ext>
-            </a:extLst>
-          </p:cNvPr>
-          <p:cNvSpPr>
-            <a:spLocks noGrp="1"/>
-          </p:cNvSpPr>
-          <p:nvPr>
-            <p:ph type="sldNum" sz="quarter" idx="12"/>
-          </p:nvPr>
-        </p:nvSpPr>
-        <p:spPr/>
-        <p:txBody>
-          <a:bodyPr/>
-          <a:lstStyle/>
-          <a:p>
-            <a:fld id="{FF0FD81D-3A37-4637-9842-66B26730370D}" type="slidenum">
-              <a:rPr lang="ko-KR" altLang="en-US" smtClean="0"/>
+              <a:pPr latinLnBrk="0">
+                <a:spcAft>
+                  <a:spcPts val="600"/>
+                </a:spcAft>
+              </a:pPr>
               <a:t>29</a:t>
             </a:fld>
-            <a:endParaRPr lang="ko-KR" altLang="en-US"/>
+            <a:endParaRPr lang="en-US" altLang="ko-KR"/>
           </a:p>
         </p:txBody>
       </p:sp>
     </p:spTree>
     <p:extLst>
       <p:ext uri="{BB962C8B-B14F-4D97-AF65-F5344CB8AC3E}">
-        <p14:creationId xmlns:p14="http://schemas.microsoft.com/office/powerpoint/2010/main" val="2958434373"/>
+        <p14:creationId xmlns:p14="http://schemas.microsoft.com/office/powerpoint/2010/main" val="1761986318"/>
       </p:ext>
     </p:extLst>
   </p:cSld>
   <p:clrMapOvr>
-    <a:masterClrMapping/>
+    <a:overrideClrMapping bg1="dk1" tx1="lt1" bg2="dk2" tx2="lt2" accent1="accent1" accent2="accent2" accent3="accent3" accent4="accent4" accent5="accent5" accent6="accent6" hlink="hlink" folHlink="folHlink"/>
   </p:clrMapOvr>
 </p:sld>
 </file>
@@ -9631,6 +9815,159 @@
     <p:extLst>
       <p:ext uri="{BB962C8B-B14F-4D97-AF65-F5344CB8AC3E}">
         <p14:creationId xmlns:p14="http://schemas.microsoft.com/office/powerpoint/2010/main" val="3746551321"/>
+      </p:ext>
+    </p:extLst>
+  </p:cSld>
+  <p:clrMapOvr>
+    <a:masterClrMapping/>
+  </p:clrMapOvr>
+</p:sld>
+</file>
+
+<file path=ppt/slides/slide30.xml><?xml version="1.0" encoding="utf-8"?>
+<p:sld xmlns:a="http://schemas.openxmlformats.org/drawingml/2006/main" xmlns:r="http://schemas.openxmlformats.org/officeDocument/2006/relationships" xmlns:p="http://schemas.openxmlformats.org/presentationml/2006/main">
+  <p:cSld>
+    <p:spTree>
+      <p:nvGrpSpPr>
+        <p:cNvPr id="1" name=""/>
+        <p:cNvGrpSpPr/>
+        <p:nvPr/>
+      </p:nvGrpSpPr>
+      <p:grpSpPr>
+        <a:xfrm>
+          <a:off x="0" y="0"/>
+          <a:ext cx="0" cy="0"/>
+          <a:chOff x="0" y="0"/>
+          <a:chExt cx="0" cy="0"/>
+        </a:xfrm>
+      </p:grpSpPr>
+      <p:sp>
+        <p:nvSpPr>
+          <p:cNvPr id="2" name="제목 1">
+            <a:extLst>
+              <a:ext uri="{FF2B5EF4-FFF2-40B4-BE49-F238E27FC236}">
+                <a16:creationId xmlns:a16="http://schemas.microsoft.com/office/drawing/2014/main" id="{22E61AFC-721D-46EE-8ADE-DC8D1887DE21}"/>
+              </a:ext>
+            </a:extLst>
+          </p:cNvPr>
+          <p:cNvSpPr>
+            <a:spLocks noGrp="1"/>
+          </p:cNvSpPr>
+          <p:nvPr>
+            <p:ph type="title"/>
+          </p:nvPr>
+        </p:nvSpPr>
+        <p:spPr/>
+        <p:txBody>
+          <a:bodyPr/>
+          <a:lstStyle/>
+          <a:p>
+            <a:endParaRPr lang="ko-KR" altLang="en-US" dirty="0"/>
+          </a:p>
+        </p:txBody>
+      </p:sp>
+      <p:sp>
+        <p:nvSpPr>
+          <p:cNvPr id="3" name="내용 개체 틀 2">
+            <a:extLst>
+              <a:ext uri="{FF2B5EF4-FFF2-40B4-BE49-F238E27FC236}">
+                <a16:creationId xmlns:a16="http://schemas.microsoft.com/office/drawing/2014/main" id="{4CE32329-EE37-4581-93C0-A5D64B0B13BD}"/>
+              </a:ext>
+            </a:extLst>
+          </p:cNvPr>
+          <p:cNvSpPr>
+            <a:spLocks noGrp="1"/>
+          </p:cNvSpPr>
+          <p:nvPr>
+            <p:ph idx="1"/>
+          </p:nvPr>
+        </p:nvSpPr>
+        <p:spPr/>
+        <p:txBody>
+          <a:bodyPr>
+            <a:normAutofit/>
+          </a:bodyPr>
+          <a:lstStyle/>
+          <a:p>
+            <a:pPr marL="0" indent="0">
+              <a:buNone/>
+            </a:pPr>
+            <a:endParaRPr lang="en-US" altLang="ko-KR" sz="9600" dirty="0"/>
+          </a:p>
+          <a:p>
+            <a:pPr marL="0" indent="0">
+              <a:buNone/>
+            </a:pPr>
+            <a:r>
+              <a:rPr lang="en-US" altLang="ko-KR" sz="9600" dirty="0" err="1"/>
+              <a:t>QnA</a:t>
+            </a:r>
+            <a:endParaRPr lang="ko-KR" altLang="en-US" sz="9600" dirty="0"/>
+          </a:p>
+        </p:txBody>
+      </p:sp>
+      <p:sp>
+        <p:nvSpPr>
+          <p:cNvPr id="4" name="바닥글 개체 틀 3">
+            <a:extLst>
+              <a:ext uri="{FF2B5EF4-FFF2-40B4-BE49-F238E27FC236}">
+                <a16:creationId xmlns:a16="http://schemas.microsoft.com/office/drawing/2014/main" id="{5F0422B2-D991-43BB-BF59-65B4DFB4758B}"/>
+              </a:ext>
+            </a:extLst>
+          </p:cNvPr>
+          <p:cNvSpPr>
+            <a:spLocks noGrp="1"/>
+          </p:cNvSpPr>
+          <p:nvPr>
+            <p:ph type="ftr" sz="quarter" idx="11"/>
+          </p:nvPr>
+        </p:nvSpPr>
+        <p:spPr/>
+        <p:txBody>
+          <a:bodyPr/>
+          <a:lstStyle/>
+          <a:p>
+            <a:r>
+              <a:rPr lang="en-US" altLang="ko-KR"/>
+              <a:t>ExP Make Programming Team</a:t>
+            </a:r>
+            <a:endParaRPr lang="ko-KR" altLang="en-US"/>
+          </a:p>
+        </p:txBody>
+      </p:sp>
+      <p:sp>
+        <p:nvSpPr>
+          <p:cNvPr id="5" name="슬라이드 번호 개체 틀 4">
+            <a:extLst>
+              <a:ext uri="{FF2B5EF4-FFF2-40B4-BE49-F238E27FC236}">
+                <a16:creationId xmlns:a16="http://schemas.microsoft.com/office/drawing/2014/main" id="{6203B402-6112-40D4-BAB2-37E05E4AC7FF}"/>
+              </a:ext>
+            </a:extLst>
+          </p:cNvPr>
+          <p:cNvSpPr>
+            <a:spLocks noGrp="1"/>
+          </p:cNvSpPr>
+          <p:nvPr>
+            <p:ph type="sldNum" sz="quarter" idx="12"/>
+          </p:nvPr>
+        </p:nvSpPr>
+        <p:spPr/>
+        <p:txBody>
+          <a:bodyPr/>
+          <a:lstStyle/>
+          <a:p>
+            <a:fld id="{FF0FD81D-3A37-4637-9842-66B26730370D}" type="slidenum">
+              <a:rPr lang="ko-KR" altLang="en-US" smtClean="0"/>
+              <a:t>30</a:t>
+            </a:fld>
+            <a:endParaRPr lang="ko-KR" altLang="en-US"/>
+          </a:p>
+        </p:txBody>
+      </p:sp>
+    </p:spTree>
+    <p:extLst>
+      <p:ext uri="{BB962C8B-B14F-4D97-AF65-F5344CB8AC3E}">
+        <p14:creationId xmlns:p14="http://schemas.microsoft.com/office/powerpoint/2010/main" val="2958434373"/>
       </p:ext>
     </p:extLst>
   </p:cSld>
